--- a/presentations/07_K-Means.pptx
+++ b/presentations/07_K-Means.pptx
@@ -5,20 +5,19 @@
     <p:sldMasterId id="2147483648" r:id="rId1"/>
   </p:sldMasterIdLst>
   <p:notesMasterIdLst>
-    <p:notesMasterId r:id="rId13"/>
+    <p:notesMasterId r:id="rId12"/>
   </p:notesMasterIdLst>
   <p:sldIdLst>
     <p:sldId id="257" r:id="rId2"/>
     <p:sldId id="336" r:id="rId3"/>
     <p:sldId id="337" r:id="rId4"/>
-    <p:sldId id="338" r:id="rId5"/>
-    <p:sldId id="341" r:id="rId6"/>
-    <p:sldId id="342" r:id="rId7"/>
-    <p:sldId id="339" r:id="rId8"/>
-    <p:sldId id="340" r:id="rId9"/>
-    <p:sldId id="343" r:id="rId10"/>
-    <p:sldId id="344" r:id="rId11"/>
-    <p:sldId id="291" r:id="rId12"/>
+    <p:sldId id="341" r:id="rId5"/>
+    <p:sldId id="342" r:id="rId6"/>
+    <p:sldId id="339" r:id="rId7"/>
+    <p:sldId id="340" r:id="rId8"/>
+    <p:sldId id="343" r:id="rId9"/>
+    <p:sldId id="344" r:id="rId10"/>
+    <p:sldId id="291" r:id="rId11"/>
   </p:sldIdLst>
   <p:sldSz cx="12192000" cy="6858000"/>
   <p:notesSz cx="6858000" cy="9144000"/>
@@ -2217,7 +2216,7 @@
           <a:p>
             <a:fld id="{6F77F576-AE14-466D-AA6B-335273622B21}" type="datetimeFigureOut">
               <a:rPr lang="en-US" smtClean="0"/>
-              <a:t>4/2/2019</a:t>
+              <a:t>5/31/2019</a:t>
             </a:fld>
             <a:endParaRPr lang="en-US"/>
           </a:p>
@@ -2616,7 +2615,7 @@
           <a:p>
             <a:fld id="{54AA066D-271F-4C1A-B89A-0705A7689EE9}" type="datetimeFigureOut">
               <a:rPr lang="en-US" smtClean="0"/>
-              <a:t>4/2/2019</a:t>
+              <a:t>5/31/2019</a:t>
             </a:fld>
             <a:endParaRPr lang="en-US"/>
           </a:p>
@@ -2786,7 +2785,7 @@
           <a:p>
             <a:fld id="{54AA066D-271F-4C1A-B89A-0705A7689EE9}" type="datetimeFigureOut">
               <a:rPr lang="en-US" smtClean="0"/>
-              <a:t>4/2/2019</a:t>
+              <a:t>5/31/2019</a:t>
             </a:fld>
             <a:endParaRPr lang="en-US"/>
           </a:p>
@@ -2966,7 +2965,7 @@
           <a:p>
             <a:fld id="{54AA066D-271F-4C1A-B89A-0705A7689EE9}" type="datetimeFigureOut">
               <a:rPr lang="en-US" smtClean="0"/>
-              <a:t>4/2/2019</a:t>
+              <a:t>5/31/2019</a:t>
             </a:fld>
             <a:endParaRPr lang="en-US"/>
           </a:p>
@@ -3136,7 +3135,7 @@
           <a:p>
             <a:fld id="{54AA066D-271F-4C1A-B89A-0705A7689EE9}" type="datetimeFigureOut">
               <a:rPr lang="en-US" smtClean="0"/>
-              <a:t>4/2/2019</a:t>
+              <a:t>5/31/2019</a:t>
             </a:fld>
             <a:endParaRPr lang="en-US"/>
           </a:p>
@@ -3382,7 +3381,7 @@
           <a:p>
             <a:fld id="{54AA066D-271F-4C1A-B89A-0705A7689EE9}" type="datetimeFigureOut">
               <a:rPr lang="en-US" smtClean="0"/>
-              <a:t>4/2/2019</a:t>
+              <a:t>5/31/2019</a:t>
             </a:fld>
             <a:endParaRPr lang="en-US"/>
           </a:p>
@@ -3614,7 +3613,7 @@
           <a:p>
             <a:fld id="{54AA066D-271F-4C1A-B89A-0705A7689EE9}" type="datetimeFigureOut">
               <a:rPr lang="en-US" smtClean="0"/>
-              <a:t>4/2/2019</a:t>
+              <a:t>5/31/2019</a:t>
             </a:fld>
             <a:endParaRPr lang="en-US"/>
           </a:p>
@@ -3981,7 +3980,7 @@
           <a:p>
             <a:fld id="{54AA066D-271F-4C1A-B89A-0705A7689EE9}" type="datetimeFigureOut">
               <a:rPr lang="en-US" smtClean="0"/>
-              <a:t>4/2/2019</a:t>
+              <a:t>5/31/2019</a:t>
             </a:fld>
             <a:endParaRPr lang="en-US"/>
           </a:p>
@@ -4099,7 +4098,7 @@
           <a:p>
             <a:fld id="{54AA066D-271F-4C1A-B89A-0705A7689EE9}" type="datetimeFigureOut">
               <a:rPr lang="en-US" smtClean="0"/>
-              <a:t>4/2/2019</a:t>
+              <a:t>5/31/2019</a:t>
             </a:fld>
             <a:endParaRPr lang="en-US"/>
           </a:p>
@@ -4194,7 +4193,7 @@
           <a:p>
             <a:fld id="{54AA066D-271F-4C1A-B89A-0705A7689EE9}" type="datetimeFigureOut">
               <a:rPr lang="en-US" smtClean="0"/>
-              <a:t>4/2/2019</a:t>
+              <a:t>5/31/2019</a:t>
             </a:fld>
             <a:endParaRPr lang="en-US"/>
           </a:p>
@@ -4471,7 +4470,7 @@
           <a:p>
             <a:fld id="{54AA066D-271F-4C1A-B89A-0705A7689EE9}" type="datetimeFigureOut">
               <a:rPr lang="en-US" smtClean="0"/>
-              <a:t>4/2/2019</a:t>
+              <a:t>5/31/2019</a:t>
             </a:fld>
             <a:endParaRPr lang="en-US"/>
           </a:p>
@@ -4724,7 +4723,7 @@
           <a:p>
             <a:fld id="{54AA066D-271F-4C1A-B89A-0705A7689EE9}" type="datetimeFigureOut">
               <a:rPr lang="en-US" smtClean="0"/>
-              <a:t>4/2/2019</a:t>
+              <a:t>5/31/2019</a:t>
             </a:fld>
             <a:endParaRPr lang="en-US"/>
           </a:p>
@@ -4937,7 +4936,7 @@
           <a:p>
             <a:fld id="{54AA066D-271F-4C1A-B89A-0705A7689EE9}" type="datetimeFigureOut">
               <a:rPr lang="en-US" smtClean="0"/>
-              <a:t>4/2/2019</a:t>
+              <a:t>5/31/2019</a:t>
             </a:fld>
             <a:endParaRPr lang="en-US"/>
           </a:p>
@@ -5529,349 +5528,6 @@
       </p:grpSpPr>
       <p:sp>
         <p:nvSpPr>
-          <p:cNvPr id="9" name="Rectangle 7"/>
-          <p:cNvSpPr>
-            <a:spLocks noChangeArrowheads="1"/>
-          </p:cNvSpPr>
-          <p:nvPr/>
-        </p:nvSpPr>
-        <p:spPr bwMode="auto">
-          <a:xfrm>
-            <a:off x="1629831" y="335785"/>
-            <a:ext cx="8429625" cy="590931"/>
-          </a:xfrm>
-          <a:prstGeom prst="rect">
-            <a:avLst/>
-          </a:prstGeom>
-          <a:noFill/>
-          <a:ln>
-            <a:noFill/>
-          </a:ln>
-          <a:extLst>
-            <a:ext uri="{909E8E84-426E-40DD-AFC4-6F175D3DCCD1}">
-              <a14:hiddenFill xmlns:a14="http://schemas.microsoft.com/office/drawing/2010/main">
-                <a:solidFill>
-                  <a:srgbClr val="FFFFFF"/>
-                </a:solidFill>
-              </a14:hiddenFill>
-            </a:ext>
-            <a:ext uri="{91240B29-F687-4F45-9708-019B960494DF}">
-              <a14:hiddenLine xmlns:a14="http://schemas.microsoft.com/office/drawing/2010/main" w="9525">
-                <a:solidFill>
-                  <a:srgbClr val="000000"/>
-                </a:solidFill>
-                <a:miter lim="800000"/>
-                <a:headEnd/>
-                <a:tailEnd/>
-              </a14:hiddenLine>
-            </a:ext>
-          </a:extLst>
-        </p:spPr>
-        <p:txBody>
-          <a:bodyPr>
-            <a:spAutoFit/>
-          </a:bodyPr>
-          <a:lstStyle/>
-          <a:p>
-            <a:pPr marL="0" lvl="1" algn="ctr">
-              <a:lnSpc>
-                <a:spcPct val="90000"/>
-              </a:lnSpc>
-              <a:spcBef>
-                <a:spcPct val="0"/>
-              </a:spcBef>
-            </a:pPr>
-            <a:r>
-              <a:rPr lang="tr-TR" sz="3600" b="1" dirty="0">
-                <a:solidFill>
-                  <a:srgbClr val="CD1F26"/>
-                </a:solidFill>
-                <a:latin typeface="Arial" panose="020B0604020202020204" pitchFamily="34" charset="0"/>
-                <a:ea typeface="Verdana" panose="020B0604030504040204" pitchFamily="34" charset="0"/>
-                <a:cs typeface="Arial" panose="020B0604020202020204" pitchFamily="34" charset="0"/>
-              </a:rPr>
-              <a:t>Dirsek Yöntemi </a:t>
-            </a:r>
-            <a:r>
-              <a:rPr lang="en-US" sz="3600" b="1" dirty="0">
-                <a:solidFill>
-                  <a:srgbClr val="CD1F26"/>
-                </a:solidFill>
-                <a:latin typeface="Arial" panose="020B0604020202020204" pitchFamily="34" charset="0"/>
-                <a:ea typeface="Verdana" panose="020B0604030504040204" pitchFamily="34" charset="0"/>
-                <a:cs typeface="Arial" panose="020B0604020202020204" pitchFamily="34" charset="0"/>
-              </a:rPr>
-              <a:t>(</a:t>
-            </a:r>
-            <a:r>
-              <a:rPr lang="tr-TR" sz="3600" b="1" dirty="0" err="1">
-                <a:solidFill>
-                  <a:srgbClr val="CD1F26"/>
-                </a:solidFill>
-                <a:latin typeface="Arial" panose="020B0604020202020204" pitchFamily="34" charset="0"/>
-                <a:ea typeface="Verdana" panose="020B0604030504040204" pitchFamily="34" charset="0"/>
-                <a:cs typeface="Arial" panose="020B0604020202020204" pitchFamily="34" charset="0"/>
-              </a:rPr>
-              <a:t>Elbow</a:t>
-            </a:r>
-            <a:r>
-              <a:rPr lang="en-US" sz="3600" b="1" dirty="0">
-                <a:solidFill>
-                  <a:srgbClr val="CD1F26"/>
-                </a:solidFill>
-                <a:latin typeface="Arial" panose="020B0604020202020204" pitchFamily="34" charset="0"/>
-                <a:ea typeface="Verdana" panose="020B0604030504040204" pitchFamily="34" charset="0"/>
-                <a:cs typeface="Arial" panose="020B0604020202020204" pitchFamily="34" charset="0"/>
-              </a:rPr>
-              <a:t>)</a:t>
-            </a:r>
-            <a:endParaRPr lang="tr-TR" sz="3600" b="1" dirty="0">
-              <a:solidFill>
-                <a:srgbClr val="CD1F26"/>
-              </a:solidFill>
-              <a:latin typeface="Arial" panose="020B0604020202020204" pitchFamily="34" charset="0"/>
-              <a:ea typeface="Verdana" panose="020B0604030504040204" pitchFamily="34" charset="0"/>
-              <a:cs typeface="Arial" panose="020B0604020202020204" pitchFamily="34" charset="0"/>
-            </a:endParaRPr>
-          </a:p>
-        </p:txBody>
-      </p:sp>
-      <p:pic>
-        <p:nvPicPr>
-          <p:cNvPr id="4" name="Resim 3">
-            <a:extLst>
-              <a:ext uri="{FF2B5EF4-FFF2-40B4-BE49-F238E27FC236}">
-                <a16:creationId xmlns:a16="http://schemas.microsoft.com/office/drawing/2014/main" id="{1F655A6B-0D7E-4889-95B7-9561C7CC322E}"/>
-              </a:ext>
-            </a:extLst>
-          </p:cNvPr>
-          <p:cNvPicPr>
-            <a:picLocks noChangeAspect="1"/>
-          </p:cNvPicPr>
-          <p:nvPr/>
-        </p:nvPicPr>
-        <p:blipFill>
-          <a:blip r:embed="rId2">
-            <a:extLst>
-              <a:ext uri="{28A0092B-C50C-407E-A947-70E740481C1C}">
-                <a14:useLocalDpi xmlns:a14="http://schemas.microsoft.com/office/drawing/2010/main" val="0"/>
-              </a:ext>
-            </a:extLst>
-          </a:blip>
-          <a:stretch>
-            <a:fillRect/>
-          </a:stretch>
-        </p:blipFill>
-        <p:spPr>
-          <a:xfrm>
-            <a:off x="1772560" y="1410216"/>
-            <a:ext cx="8430802" cy="4505954"/>
-          </a:xfrm>
-          <a:prstGeom prst="rect">
-            <a:avLst/>
-          </a:prstGeom>
-        </p:spPr>
-      </p:pic>
-      <p:sp>
-        <p:nvSpPr>
-          <p:cNvPr id="5" name="Ok: Aşağı 4">
-            <a:extLst>
-              <a:ext uri="{FF2B5EF4-FFF2-40B4-BE49-F238E27FC236}">
-                <a16:creationId xmlns:a16="http://schemas.microsoft.com/office/drawing/2014/main" id="{37B8AA98-2897-4A19-95C3-7DAC50573386}"/>
-              </a:ext>
-            </a:extLst>
-          </p:cNvPr>
-          <p:cNvSpPr/>
-          <p:nvPr/>
-        </p:nvSpPr>
-        <p:spPr>
-          <a:xfrm rot="1597592">
-            <a:off x="6853382" y="3834773"/>
-            <a:ext cx="533400" cy="1117600"/>
-          </a:xfrm>
-          <a:prstGeom prst="downArrow">
-            <a:avLst/>
-          </a:prstGeom>
-        </p:spPr>
-        <p:style>
-          <a:lnRef idx="2">
-            <a:schemeClr val="accent2">
-              <a:shade val="50000"/>
-            </a:schemeClr>
-          </a:lnRef>
-          <a:fillRef idx="1">
-            <a:schemeClr val="accent2"/>
-          </a:fillRef>
-          <a:effectRef idx="0">
-            <a:schemeClr val="accent2"/>
-          </a:effectRef>
-          <a:fontRef idx="minor">
-            <a:schemeClr val="lt1"/>
-          </a:fontRef>
-        </p:style>
-        <p:txBody>
-          <a:bodyPr rtlCol="0" anchor="ctr"/>
-          <a:lstStyle/>
-          <a:p>
-            <a:pPr algn="ctr"/>
-            <a:endParaRPr lang="tr-TR"/>
-          </a:p>
-        </p:txBody>
-      </p:sp>
-    </p:spTree>
-    <p:extLst>
-      <p:ext uri="{BB962C8B-B14F-4D97-AF65-F5344CB8AC3E}">
-        <p14:creationId xmlns:p14="http://schemas.microsoft.com/office/powerpoint/2010/main" val="1999169727"/>
-      </p:ext>
-    </p:extLst>
-  </p:cSld>
-  <p:clrMapOvr>
-    <a:masterClrMapping/>
-  </p:clrMapOvr>
-  <p:timing>
-    <p:tnLst>
-      <p:par>
-        <p:cTn id="1" dur="indefinite" restart="never" nodeType="tmRoot">
-          <p:childTnLst>
-            <p:seq concurrent="1" nextAc="seek">
-              <p:cTn id="2" dur="indefinite" nodeType="mainSeq">
-                <p:childTnLst>
-                  <p:par>
-                    <p:cTn id="3" fill="hold">
-                      <p:stCondLst>
-                        <p:cond delay="indefinite"/>
-                      </p:stCondLst>
-                      <p:childTnLst>
-                        <p:par>
-                          <p:cTn id="4" fill="hold">
-                            <p:stCondLst>
-                              <p:cond delay="0"/>
-                            </p:stCondLst>
-                            <p:childTnLst>
-                              <p:par>
-                                <p:cTn id="5" presetID="10" presetClass="entr" presetSubtype="0" fill="hold" grpId="0" nodeType="clickEffect">
-                                  <p:stCondLst>
-                                    <p:cond delay="0"/>
-                                  </p:stCondLst>
-                                  <p:childTnLst>
-                                    <p:set>
-                                      <p:cBhvr>
-                                        <p:cTn id="6" dur="1" fill="hold">
-                                          <p:stCondLst>
-                                            <p:cond delay="0"/>
-                                          </p:stCondLst>
-                                        </p:cTn>
-                                        <p:tgtEl>
-                                          <p:spTgt spid="5"/>
-                                        </p:tgtEl>
-                                        <p:attrNameLst>
-                                          <p:attrName>style.visibility</p:attrName>
-                                        </p:attrNameLst>
-                                      </p:cBhvr>
-                                      <p:to>
-                                        <p:strVal val="visible"/>
-                                      </p:to>
-                                    </p:set>
-                                    <p:animEffect transition="in" filter="fade">
-                                      <p:cBhvr>
-                                        <p:cTn id="7" dur="500"/>
-                                        <p:tgtEl>
-                                          <p:spTgt spid="5"/>
-                                        </p:tgtEl>
-                                      </p:cBhvr>
-                                    </p:animEffect>
-                                  </p:childTnLst>
-                                </p:cTn>
-                              </p:par>
-                            </p:childTnLst>
-                          </p:cTn>
-                        </p:par>
-                        <p:par>
-                          <p:cTn id="8" fill="hold">
-                            <p:stCondLst>
-                              <p:cond delay="500"/>
-                            </p:stCondLst>
-                            <p:childTnLst>
-                              <p:par>
-                                <p:cTn id="9" presetID="26" presetClass="emph" presetSubtype="0" repeatCount="indefinite" fill="hold" grpId="1" nodeType="afterEffect">
-                                  <p:stCondLst>
-                                    <p:cond delay="0"/>
-                                  </p:stCondLst>
-                                  <p:childTnLst>
-                                    <p:animEffect transition="out" filter="fade">
-                                      <p:cBhvr>
-                                        <p:cTn id="10" dur="2000" tmFilter="0, 0; .2, .5; .8, .5; 1, 0"/>
-                                        <p:tgtEl>
-                                          <p:spTgt spid="5"/>
-                                        </p:tgtEl>
-                                      </p:cBhvr>
-                                    </p:animEffect>
-                                    <p:animScale>
-                                      <p:cBhvr>
-                                        <p:cTn id="11" dur="1000" autoRev="1" fill="hold"/>
-                                        <p:tgtEl>
-                                          <p:spTgt spid="5"/>
-                                        </p:tgtEl>
-                                      </p:cBhvr>
-                                      <p:by x="105000" y="105000"/>
-                                    </p:animScale>
-                                  </p:childTnLst>
-                                </p:cTn>
-                              </p:par>
-                            </p:childTnLst>
-                          </p:cTn>
-                        </p:par>
-                      </p:childTnLst>
-                    </p:cTn>
-                  </p:par>
-                </p:childTnLst>
-              </p:cTn>
-              <p:prevCondLst>
-                <p:cond evt="onPrev" delay="0">
-                  <p:tgtEl>
-                    <p:sldTgt/>
-                  </p:tgtEl>
-                </p:cond>
-              </p:prevCondLst>
-              <p:nextCondLst>
-                <p:cond evt="onNext" delay="0">
-                  <p:tgtEl>
-                    <p:sldTgt/>
-                  </p:tgtEl>
-                </p:cond>
-              </p:nextCondLst>
-            </p:seq>
-          </p:childTnLst>
-        </p:cTn>
-      </p:par>
-    </p:tnLst>
-    <p:bldLst>
-      <p:bldP spid="5" grpId="0" animBg="1"/>
-      <p:bldP spid="5" grpId="1" animBg="1"/>
-    </p:bldLst>
-  </p:timing>
-</p:sld>
-</file>
-
-<file path=ppt/slides/slide11.xml><?xml version="1.0" encoding="utf-8"?>
-<p:sld xmlns:a="http://schemas.openxmlformats.org/drawingml/2006/main" xmlns:r="http://schemas.openxmlformats.org/officeDocument/2006/relationships" xmlns:p="http://schemas.openxmlformats.org/presentationml/2006/main">
-  <p:cSld>
-    <p:spTree>
-      <p:nvGrpSpPr>
-        <p:cNvPr id="1" name=""/>
-        <p:cNvGrpSpPr/>
-        <p:nvPr/>
-      </p:nvGrpSpPr>
-      <p:grpSpPr>
-        <a:xfrm>
-          <a:off x="0" y="0"/>
-          <a:ext cx="0" cy="0"/>
-          <a:chOff x="0" y="0"/>
-          <a:chExt cx="0" cy="0"/>
-        </a:xfrm>
-      </p:grpSpPr>
-      <p:sp>
-        <p:nvSpPr>
           <p:cNvPr id="2" name="Rectangle 7"/>
           <p:cNvSpPr>
             <a:spLocks noChangeArrowheads="1"/>
@@ -7579,7 +7235,7 @@
                 <a:ea typeface="Verdana" panose="020B0604030504040204" pitchFamily="34" charset="0"/>
                 <a:cs typeface="Arial" panose="020B0604020202020204" pitchFamily="34" charset="0"/>
               </a:rPr>
-              <a:t>Kümeleme Notlar</a:t>
+              <a:t>UZAKLIK</a:t>
             </a:r>
           </a:p>
         </p:txBody>
@@ -7621,380 +7277,8 @@
           </a:fontRef>
         </p:style>
       </p:cxnSp>
-      <p:sp>
-        <p:nvSpPr>
-          <p:cNvPr id="3" name="Dikdörtgen 2">
-            <a:extLst>
-              <a:ext uri="{FF2B5EF4-FFF2-40B4-BE49-F238E27FC236}">
-                <a16:creationId xmlns:a16="http://schemas.microsoft.com/office/drawing/2014/main" id="{2277BE02-F802-43E2-AC75-FFBE3AF95DAD}"/>
-              </a:ext>
-            </a:extLst>
-          </p:cNvPr>
-          <p:cNvSpPr/>
-          <p:nvPr/>
-        </p:nvSpPr>
-        <p:spPr>
-          <a:xfrm>
-            <a:off x="519654" y="1230223"/>
-            <a:ext cx="6096000" cy="1384995"/>
-          </a:xfrm>
-          <a:prstGeom prst="rect">
-            <a:avLst/>
-          </a:prstGeom>
-        </p:spPr>
-        <p:txBody>
-          <a:bodyPr>
-            <a:spAutoFit/>
-          </a:bodyPr>
-          <a:lstStyle/>
-          <a:p>
-            <a:r>
-              <a:rPr lang="tr-TR" sz="2800" dirty="0">
-                <a:latin typeface="Roboto"/>
-              </a:rPr>
-              <a:t>Kümelemede kaç grup oluşacağı verinin içindeki nesnelerin birbirine benzerlik derecesine göre değişir. </a:t>
-            </a:r>
-          </a:p>
-        </p:txBody>
-      </p:sp>
-      <p:sp>
-        <p:nvSpPr>
-          <p:cNvPr id="4" name="Dikdörtgen 3">
-            <a:extLst>
-              <a:ext uri="{FF2B5EF4-FFF2-40B4-BE49-F238E27FC236}">
-                <a16:creationId xmlns:a16="http://schemas.microsoft.com/office/drawing/2014/main" id="{2CB9658E-D6CE-4AB3-9F66-0E5A1607110F}"/>
-              </a:ext>
-            </a:extLst>
-          </p:cNvPr>
-          <p:cNvSpPr/>
-          <p:nvPr/>
-        </p:nvSpPr>
-        <p:spPr>
-          <a:xfrm>
-            <a:off x="6096000" y="6241232"/>
-            <a:ext cx="6033511" cy="276999"/>
-          </a:xfrm>
-          <a:prstGeom prst="rect">
-            <a:avLst/>
-          </a:prstGeom>
-        </p:spPr>
-        <p:txBody>
-          <a:bodyPr wrap="none">
-            <a:spAutoFit/>
-          </a:bodyPr>
-          <a:lstStyle/>
-          <a:p>
-            <a:r>
-              <a:rPr lang="tr-TR" sz="1200" dirty="0">
-                <a:hlinkClick r:id="rId2"/>
-              </a:rPr>
-              <a:t>Görsel: </a:t>
-            </a:r>
-            <a:r>
-              <a:rPr lang="tr-TR" sz="1200" dirty="0">
-                <a:hlinkClick r:id="rId3"/>
-              </a:rPr>
-              <a:t>https://curriesenglish.weebly.com/world-literature1/what-if-everyone-were-the-same</a:t>
-            </a:r>
-            <a:endParaRPr lang="tr-TR" sz="1200" dirty="0"/>
-          </a:p>
-        </p:txBody>
-      </p:sp>
-      <p:pic>
-        <p:nvPicPr>
-          <p:cNvPr id="10" name="Resim 9">
-            <a:extLst>
-              <a:ext uri="{FF2B5EF4-FFF2-40B4-BE49-F238E27FC236}">
-                <a16:creationId xmlns:a16="http://schemas.microsoft.com/office/drawing/2014/main" id="{46CC0C12-B689-4C2B-8D2A-49BE2AEDD282}"/>
-              </a:ext>
-            </a:extLst>
-          </p:cNvPr>
-          <p:cNvPicPr>
-            <a:picLocks noChangeAspect="1"/>
-          </p:cNvPicPr>
-          <p:nvPr/>
-        </p:nvPicPr>
-        <p:blipFill>
-          <a:blip r:embed="rId4">
-            <a:extLst>
-              <a:ext uri="{28A0092B-C50C-407E-A947-70E740481C1C}">
-                <a14:useLocalDpi xmlns:a14="http://schemas.microsoft.com/office/drawing/2010/main" val="0"/>
-              </a:ext>
-            </a:extLst>
-          </a:blip>
-          <a:stretch>
-            <a:fillRect/>
-          </a:stretch>
-        </p:blipFill>
-        <p:spPr>
-          <a:xfrm>
-            <a:off x="7908532" y="1816023"/>
-            <a:ext cx="2658457" cy="2658457"/>
-          </a:xfrm>
-          <a:prstGeom prst="rect">
-            <a:avLst/>
-          </a:prstGeom>
-        </p:spPr>
-      </p:pic>
-      <p:sp>
-        <p:nvSpPr>
-          <p:cNvPr id="7" name="Dikdörtgen 6">
-            <a:extLst>
-              <a:ext uri="{FF2B5EF4-FFF2-40B4-BE49-F238E27FC236}">
-                <a16:creationId xmlns:a16="http://schemas.microsoft.com/office/drawing/2014/main" id="{77E4CFB1-0FFF-448F-991C-8D79E2F6D75B}"/>
-              </a:ext>
-            </a:extLst>
-          </p:cNvPr>
-          <p:cNvSpPr/>
-          <p:nvPr/>
-        </p:nvSpPr>
-        <p:spPr>
-          <a:xfrm>
-            <a:off x="519654" y="3334842"/>
-            <a:ext cx="6096000" cy="1815882"/>
-          </a:xfrm>
-          <a:prstGeom prst="rect">
-            <a:avLst/>
-          </a:prstGeom>
-        </p:spPr>
-        <p:txBody>
-          <a:bodyPr>
-            <a:spAutoFit/>
-          </a:bodyPr>
-          <a:lstStyle/>
-          <a:p>
-            <a:r>
-              <a:rPr lang="tr-TR" sz="2800" dirty="0">
-                <a:latin typeface="Roboto"/>
-              </a:rPr>
-              <a:t>Farklı kümelerin oluşması için nesnelerin tamamen birbirine benzememesi çok fazla da birbirinde ayrı olmaması gerekir.</a:t>
-            </a:r>
-          </a:p>
-        </p:txBody>
-      </p:sp>
-    </p:spTree>
-    <p:extLst>
-      <p:ext uri="{BB962C8B-B14F-4D97-AF65-F5344CB8AC3E}">
-        <p14:creationId xmlns:p14="http://schemas.microsoft.com/office/powerpoint/2010/main" val="749136053"/>
-      </p:ext>
-    </p:extLst>
-  </p:cSld>
-  <p:clrMapOvr>
-    <a:masterClrMapping/>
-  </p:clrMapOvr>
-  <p:timing>
-    <p:tnLst>
-      <p:par>
-        <p:cTn id="1" dur="indefinite" restart="never" nodeType="tmRoot">
-          <p:childTnLst>
-            <p:seq concurrent="1" nextAc="seek">
-              <p:cTn id="2" dur="indefinite" nodeType="mainSeq">
-                <p:childTnLst>
-                  <p:par>
-                    <p:cTn id="3" fill="hold">
-                      <p:stCondLst>
-                        <p:cond delay="indefinite"/>
-                      </p:stCondLst>
-                      <p:childTnLst>
-                        <p:par>
-                          <p:cTn id="4" fill="hold">
-                            <p:stCondLst>
-                              <p:cond delay="0"/>
-                            </p:stCondLst>
-                            <p:childTnLst>
-                              <p:par>
-                                <p:cTn id="5" presetID="10" presetClass="entr" presetSubtype="0" fill="hold" grpId="0" nodeType="clickEffect">
-                                  <p:stCondLst>
-                                    <p:cond delay="0"/>
-                                  </p:stCondLst>
-                                  <p:childTnLst>
-                                    <p:set>
-                                      <p:cBhvr>
-                                        <p:cTn id="6" dur="1" fill="hold">
-                                          <p:stCondLst>
-                                            <p:cond delay="0"/>
-                                          </p:stCondLst>
-                                        </p:cTn>
-                                        <p:tgtEl>
-                                          <p:spTgt spid="3"/>
-                                        </p:tgtEl>
-                                        <p:attrNameLst>
-                                          <p:attrName>style.visibility</p:attrName>
-                                        </p:attrNameLst>
-                                      </p:cBhvr>
-                                      <p:to>
-                                        <p:strVal val="visible"/>
-                                      </p:to>
-                                    </p:set>
-                                    <p:animEffect transition="in" filter="fade">
-                                      <p:cBhvr>
-                                        <p:cTn id="7" dur="500"/>
-                                        <p:tgtEl>
-                                          <p:spTgt spid="3"/>
-                                        </p:tgtEl>
-                                      </p:cBhvr>
-                                    </p:animEffect>
-                                  </p:childTnLst>
-                                </p:cTn>
-                              </p:par>
-                            </p:childTnLst>
-                          </p:cTn>
-                        </p:par>
-                      </p:childTnLst>
-                    </p:cTn>
-                  </p:par>
-                </p:childTnLst>
-              </p:cTn>
-              <p:prevCondLst>
-                <p:cond evt="onPrev" delay="0">
-                  <p:tgtEl>
-                    <p:sldTgt/>
-                  </p:tgtEl>
-                </p:cond>
-              </p:prevCondLst>
-              <p:nextCondLst>
-                <p:cond evt="onNext" delay="0">
-                  <p:tgtEl>
-                    <p:sldTgt/>
-                  </p:tgtEl>
-                </p:cond>
-              </p:nextCondLst>
-            </p:seq>
-          </p:childTnLst>
-        </p:cTn>
-      </p:par>
-    </p:tnLst>
-    <p:bldLst>
-      <p:bldP spid="3" grpId="0"/>
-    </p:bldLst>
-  </p:timing>
-</p:sld>
-</file>
-
-<file path=ppt/slides/slide5.xml><?xml version="1.0" encoding="utf-8"?>
-<p:sld xmlns:a="http://schemas.openxmlformats.org/drawingml/2006/main" xmlns:r="http://schemas.openxmlformats.org/officeDocument/2006/relationships" xmlns:p="http://schemas.openxmlformats.org/presentationml/2006/main">
-  <p:cSld>
-    <p:spTree>
-      <p:nvGrpSpPr>
-        <p:cNvPr id="1" name=""/>
-        <p:cNvGrpSpPr/>
-        <p:nvPr/>
-      </p:nvGrpSpPr>
-      <p:grpSpPr>
-        <a:xfrm>
-          <a:off x="0" y="0"/>
-          <a:ext cx="0" cy="0"/>
-          <a:chOff x="0" y="0"/>
-          <a:chExt cx="0" cy="0"/>
-        </a:xfrm>
-      </p:grpSpPr>
-      <p:sp>
-        <p:nvSpPr>
-          <p:cNvPr id="9" name="Rectangle 7"/>
-          <p:cNvSpPr>
-            <a:spLocks noChangeArrowheads="1"/>
-          </p:cNvSpPr>
-          <p:nvPr/>
-        </p:nvSpPr>
-        <p:spPr bwMode="auto">
-          <a:xfrm>
-            <a:off x="1629831" y="335785"/>
-            <a:ext cx="8429625" cy="590931"/>
-          </a:xfrm>
-          <a:prstGeom prst="rect">
-            <a:avLst/>
-          </a:prstGeom>
-          <a:noFill/>
-          <a:ln>
-            <a:noFill/>
-          </a:ln>
-          <a:extLst>
-            <a:ext uri="{909E8E84-426E-40DD-AFC4-6F175D3DCCD1}">
-              <a14:hiddenFill xmlns:a14="http://schemas.microsoft.com/office/drawing/2010/main">
-                <a:solidFill>
-                  <a:srgbClr val="FFFFFF"/>
-                </a:solidFill>
-              </a14:hiddenFill>
-            </a:ext>
-            <a:ext uri="{91240B29-F687-4F45-9708-019B960494DF}">
-              <a14:hiddenLine xmlns:a14="http://schemas.microsoft.com/office/drawing/2010/main" w="9525">
-                <a:solidFill>
-                  <a:srgbClr val="000000"/>
-                </a:solidFill>
-                <a:miter lim="800000"/>
-                <a:headEnd/>
-                <a:tailEnd/>
-              </a14:hiddenLine>
-            </a:ext>
-          </a:extLst>
-        </p:spPr>
-        <p:txBody>
-          <a:bodyPr>
-            <a:spAutoFit/>
-          </a:bodyPr>
-          <a:lstStyle/>
-          <a:p>
-            <a:pPr marL="0" lvl="1" algn="ctr">
-              <a:lnSpc>
-                <a:spcPct val="90000"/>
-              </a:lnSpc>
-              <a:spcBef>
-                <a:spcPct val="0"/>
-              </a:spcBef>
-            </a:pPr>
-            <a:r>
-              <a:rPr lang="tr-TR" sz="3600" b="1" dirty="0">
-                <a:solidFill>
-                  <a:srgbClr val="CD1F26"/>
-                </a:solidFill>
-                <a:latin typeface="Arial" panose="020B0604020202020204" pitchFamily="34" charset="0"/>
-                <a:ea typeface="Verdana" panose="020B0604030504040204" pitchFamily="34" charset="0"/>
-                <a:cs typeface="Arial" panose="020B0604020202020204" pitchFamily="34" charset="0"/>
-              </a:rPr>
-              <a:t>UZAKLIK</a:t>
-            </a:r>
-          </a:p>
-        </p:txBody>
-      </p:sp>
-      <p:cxnSp>
-        <p:nvCxnSpPr>
-          <p:cNvPr id="5" name="Düz Bağlayıcı 4"/>
-          <p:cNvCxnSpPr/>
-          <p:nvPr/>
-        </p:nvCxnSpPr>
-        <p:spPr>
-          <a:xfrm>
-            <a:off x="228596" y="6166763"/>
-            <a:ext cx="11768671" cy="0"/>
-          </a:xfrm>
-          <a:prstGeom prst="line">
-            <a:avLst/>
-          </a:prstGeom>
-          <a:ln w="101600" cmpd="thickThin">
-            <a:solidFill>
-              <a:schemeClr val="accent1">
-                <a:lumMod val="75000"/>
-              </a:schemeClr>
-            </a:solidFill>
-          </a:ln>
-        </p:spPr>
-        <p:style>
-          <a:lnRef idx="1">
-            <a:schemeClr val="accent1"/>
-          </a:lnRef>
-          <a:fillRef idx="0">
-            <a:schemeClr val="accent1"/>
-          </a:fillRef>
-          <a:effectRef idx="0">
-            <a:schemeClr val="accent1"/>
-          </a:effectRef>
-          <a:fontRef idx="minor">
-            <a:schemeClr val="tx1"/>
-          </a:fontRef>
-        </p:style>
-      </p:cxnSp>
-      <mc:AlternateContent xmlns:mc="http://schemas.openxmlformats.org/markup-compatibility/2006">
-        <mc:Choice xmlns:a14="http://schemas.microsoft.com/office/drawing/2010/main" Requires="a14">
+      <mc:AlternateContent xmlns:mc="http://schemas.openxmlformats.org/markup-compatibility/2006" xmlns:a14="http://schemas.microsoft.com/office/drawing/2010/main">
+        <mc:Choice Requires="a14">
           <p:sp>
             <p:nvSpPr>
               <p:cNvPr id="7" name="Dikdörtgen 6">
@@ -8289,7 +7573,7 @@
             </p:txBody>
           </p:sp>
         </mc:Choice>
-        <mc:Fallback>
+        <mc:Fallback xmlns="">
           <p:sp>
             <p:nvSpPr>
               <p:cNvPr id="7" name="Dikdörtgen 6">
@@ -8608,8 +7892,8 @@
           </a:p>
         </p:txBody>
       </p:sp>
-      <mc:AlternateContent xmlns:mc="http://schemas.openxmlformats.org/markup-compatibility/2006">
-        <mc:Choice xmlns:a14="http://schemas.microsoft.com/office/drawing/2010/main" Requires="a14">
+      <mc:AlternateContent xmlns:mc="http://schemas.openxmlformats.org/markup-compatibility/2006" xmlns:a14="http://schemas.microsoft.com/office/drawing/2010/main">
+        <mc:Choice Requires="a14">
           <p:sp>
             <p:nvSpPr>
               <p:cNvPr id="15" name="Dikdörtgen 14">
@@ -8798,7 +8082,7 @@
             </p:txBody>
           </p:sp>
         </mc:Choice>
-        <mc:Fallback>
+        <mc:Fallback xmlns="">
           <p:sp>
             <p:nvSpPr>
               <p:cNvPr id="15" name="Dikdörtgen 14">
@@ -8843,8 +8127,8 @@
           </p:sp>
         </mc:Fallback>
       </mc:AlternateContent>
-      <mc:AlternateContent xmlns:mc="http://schemas.openxmlformats.org/markup-compatibility/2006">
-        <mc:Choice xmlns:a14="http://schemas.microsoft.com/office/drawing/2010/main" Requires="a14">
+      <mc:AlternateContent xmlns:mc="http://schemas.openxmlformats.org/markup-compatibility/2006" xmlns:a14="http://schemas.microsoft.com/office/drawing/2010/main">
+        <mc:Choice Requires="a14">
           <p:sp>
             <p:nvSpPr>
               <p:cNvPr id="16" name="Dikdörtgen 15">
@@ -9027,7 +8311,7 @@
             </p:txBody>
           </p:sp>
         </mc:Choice>
-        <mc:Fallback>
+        <mc:Fallback xmlns="">
           <p:sp>
             <p:nvSpPr>
               <p:cNvPr id="16" name="Dikdörtgen 15">
@@ -9072,8 +8356,8 @@
           </p:sp>
         </mc:Fallback>
       </mc:AlternateContent>
-      <mc:AlternateContent xmlns:mc="http://schemas.openxmlformats.org/markup-compatibility/2006">
-        <mc:Choice xmlns:a14="http://schemas.microsoft.com/office/drawing/2010/main" Requires="a14">
+      <mc:AlternateContent xmlns:mc="http://schemas.openxmlformats.org/markup-compatibility/2006" xmlns:a14="http://schemas.microsoft.com/office/drawing/2010/main">
+        <mc:Choice Requires="a14">
           <p:sp>
             <p:nvSpPr>
               <p:cNvPr id="17" name="Dikdörtgen 16">
@@ -9159,7 +8443,7 @@
             </p:txBody>
           </p:sp>
         </mc:Choice>
-        <mc:Fallback>
+        <mc:Fallback xmlns="">
           <p:sp>
             <p:nvSpPr>
               <p:cNvPr id="17" name="Dikdörtgen 16">
@@ -10356,7 +9640,7 @@
 </p:sld>
 </file>
 
-<file path=ppt/slides/slide6.xml><?xml version="1.0" encoding="utf-8"?>
+<file path=ppt/slides/slide5.xml><?xml version="1.0" encoding="utf-8"?>
 <p:sld xmlns:a="http://schemas.openxmlformats.org/drawingml/2006/main" xmlns:r="http://schemas.openxmlformats.org/officeDocument/2006/relationships" xmlns:p="http://schemas.openxmlformats.org/presentationml/2006/main">
   <p:cSld>
     <p:spTree>
@@ -10478,8 +9762,8 @@
           </a:fontRef>
         </p:style>
       </p:cxnSp>
-      <mc:AlternateContent xmlns:mc="http://schemas.openxmlformats.org/markup-compatibility/2006">
-        <mc:Choice xmlns:a14="http://schemas.microsoft.com/office/drawing/2010/main" Requires="a14">
+      <mc:AlternateContent xmlns:mc="http://schemas.openxmlformats.org/markup-compatibility/2006" xmlns:a14="http://schemas.microsoft.com/office/drawing/2010/main">
+        <mc:Choice Requires="a14">
           <p:sp>
             <p:nvSpPr>
               <p:cNvPr id="7" name="Dikdörtgen 6">
@@ -10643,7 +9927,7 @@
             </p:txBody>
           </p:sp>
         </mc:Choice>
-        <mc:Fallback>
+        <mc:Fallback xmlns="">
           <p:sp>
             <p:nvSpPr>
               <p:cNvPr id="7" name="Dikdörtgen 6">
@@ -11203,8 +10487,8 @@
           </a:p>
         </p:txBody>
       </p:sp>
-      <mc:AlternateContent xmlns:mc="http://schemas.openxmlformats.org/markup-compatibility/2006">
-        <mc:Choice xmlns:a14="http://schemas.microsoft.com/office/drawing/2010/main" Requires="a14">
+      <mc:AlternateContent xmlns:mc="http://schemas.openxmlformats.org/markup-compatibility/2006" xmlns:a14="http://schemas.microsoft.com/office/drawing/2010/main">
+        <mc:Choice Requires="a14">
           <p:sp>
             <p:nvSpPr>
               <p:cNvPr id="20" name="Dikdörtgen 19">
@@ -11332,7 +10616,7 @@
             </p:txBody>
           </p:sp>
         </mc:Choice>
-        <mc:Fallback>
+        <mc:Fallback xmlns="">
           <p:sp>
             <p:nvSpPr>
               <p:cNvPr id="20" name="Dikdörtgen 19">
@@ -11520,7 +10804,7 @@
 </p:sld>
 </file>
 
-<file path=ppt/slides/slide7.xml><?xml version="1.0" encoding="utf-8"?>
+<file path=ppt/slides/slide6.xml><?xml version="1.0" encoding="utf-8"?>
 <p:sld xmlns:a="http://schemas.openxmlformats.org/drawingml/2006/main" xmlns:r="http://schemas.openxmlformats.org/officeDocument/2006/relationships" xmlns:p="http://schemas.openxmlformats.org/presentationml/2006/main">
   <p:cSld>
     <p:spTree>
@@ -25033,7 +24317,7 @@
 </p:sld>
 </file>
 
-<file path=ppt/slides/slide8.xml><?xml version="1.0" encoding="utf-8"?>
+<file path=ppt/slides/slide7.xml><?xml version="1.0" encoding="utf-8"?>
 <p:sld xmlns:a="http://schemas.openxmlformats.org/drawingml/2006/main" xmlns:r="http://schemas.openxmlformats.org/officeDocument/2006/relationships" xmlns:p="http://schemas.openxmlformats.org/presentationml/2006/main">
   <p:cSld>
     <p:spTree>
@@ -25710,7 +24994,7 @@
 </p:sld>
 </file>
 
-<file path=ppt/slides/slide9.xml><?xml version="1.0" encoding="utf-8"?>
+<file path=ppt/slides/slide8.xml><?xml version="1.0" encoding="utf-8"?>
 <p:sld xmlns:a="http://schemas.openxmlformats.org/drawingml/2006/main" xmlns:r="http://schemas.openxmlformats.org/officeDocument/2006/relationships" xmlns:p="http://schemas.openxmlformats.org/presentationml/2006/main">
   <p:cSld>
     <p:spTree>
@@ -26084,6 +25368,349 @@
         </p:cTn>
       </p:par>
     </p:tnLst>
+  </p:timing>
+</p:sld>
+</file>
+
+<file path=ppt/slides/slide9.xml><?xml version="1.0" encoding="utf-8"?>
+<p:sld xmlns:a="http://schemas.openxmlformats.org/drawingml/2006/main" xmlns:r="http://schemas.openxmlformats.org/officeDocument/2006/relationships" xmlns:p="http://schemas.openxmlformats.org/presentationml/2006/main">
+  <p:cSld>
+    <p:spTree>
+      <p:nvGrpSpPr>
+        <p:cNvPr id="1" name=""/>
+        <p:cNvGrpSpPr/>
+        <p:nvPr/>
+      </p:nvGrpSpPr>
+      <p:grpSpPr>
+        <a:xfrm>
+          <a:off x="0" y="0"/>
+          <a:ext cx="0" cy="0"/>
+          <a:chOff x="0" y="0"/>
+          <a:chExt cx="0" cy="0"/>
+        </a:xfrm>
+      </p:grpSpPr>
+      <p:sp>
+        <p:nvSpPr>
+          <p:cNvPr id="9" name="Rectangle 7"/>
+          <p:cNvSpPr>
+            <a:spLocks noChangeArrowheads="1"/>
+          </p:cNvSpPr>
+          <p:nvPr/>
+        </p:nvSpPr>
+        <p:spPr bwMode="auto">
+          <a:xfrm>
+            <a:off x="1629831" y="335785"/>
+            <a:ext cx="8429625" cy="590931"/>
+          </a:xfrm>
+          <a:prstGeom prst="rect">
+            <a:avLst/>
+          </a:prstGeom>
+          <a:noFill/>
+          <a:ln>
+            <a:noFill/>
+          </a:ln>
+          <a:extLst>
+            <a:ext uri="{909E8E84-426E-40DD-AFC4-6F175D3DCCD1}">
+              <a14:hiddenFill xmlns:a14="http://schemas.microsoft.com/office/drawing/2010/main">
+                <a:solidFill>
+                  <a:srgbClr val="FFFFFF"/>
+                </a:solidFill>
+              </a14:hiddenFill>
+            </a:ext>
+            <a:ext uri="{91240B29-F687-4F45-9708-019B960494DF}">
+              <a14:hiddenLine xmlns:a14="http://schemas.microsoft.com/office/drawing/2010/main" w="9525">
+                <a:solidFill>
+                  <a:srgbClr val="000000"/>
+                </a:solidFill>
+                <a:miter lim="800000"/>
+                <a:headEnd/>
+                <a:tailEnd/>
+              </a14:hiddenLine>
+            </a:ext>
+          </a:extLst>
+        </p:spPr>
+        <p:txBody>
+          <a:bodyPr>
+            <a:spAutoFit/>
+          </a:bodyPr>
+          <a:lstStyle/>
+          <a:p>
+            <a:pPr marL="0" lvl="1" algn="ctr">
+              <a:lnSpc>
+                <a:spcPct val="90000"/>
+              </a:lnSpc>
+              <a:spcBef>
+                <a:spcPct val="0"/>
+              </a:spcBef>
+            </a:pPr>
+            <a:r>
+              <a:rPr lang="tr-TR" sz="3600" b="1" dirty="0">
+                <a:solidFill>
+                  <a:srgbClr val="CD1F26"/>
+                </a:solidFill>
+                <a:latin typeface="Arial" panose="020B0604020202020204" pitchFamily="34" charset="0"/>
+                <a:ea typeface="Verdana" panose="020B0604030504040204" pitchFamily="34" charset="0"/>
+                <a:cs typeface="Arial" panose="020B0604020202020204" pitchFamily="34" charset="0"/>
+              </a:rPr>
+              <a:t>Dirsek Yöntemi </a:t>
+            </a:r>
+            <a:r>
+              <a:rPr lang="en-US" sz="3600" b="1" dirty="0">
+                <a:solidFill>
+                  <a:srgbClr val="CD1F26"/>
+                </a:solidFill>
+                <a:latin typeface="Arial" panose="020B0604020202020204" pitchFamily="34" charset="0"/>
+                <a:ea typeface="Verdana" panose="020B0604030504040204" pitchFamily="34" charset="0"/>
+                <a:cs typeface="Arial" panose="020B0604020202020204" pitchFamily="34" charset="0"/>
+              </a:rPr>
+              <a:t>(</a:t>
+            </a:r>
+            <a:r>
+              <a:rPr lang="tr-TR" sz="3600" b="1" dirty="0" err="1">
+                <a:solidFill>
+                  <a:srgbClr val="CD1F26"/>
+                </a:solidFill>
+                <a:latin typeface="Arial" panose="020B0604020202020204" pitchFamily="34" charset="0"/>
+                <a:ea typeface="Verdana" panose="020B0604030504040204" pitchFamily="34" charset="0"/>
+                <a:cs typeface="Arial" panose="020B0604020202020204" pitchFamily="34" charset="0"/>
+              </a:rPr>
+              <a:t>Elbow</a:t>
+            </a:r>
+            <a:r>
+              <a:rPr lang="en-US" sz="3600" b="1" dirty="0">
+                <a:solidFill>
+                  <a:srgbClr val="CD1F26"/>
+                </a:solidFill>
+                <a:latin typeface="Arial" panose="020B0604020202020204" pitchFamily="34" charset="0"/>
+                <a:ea typeface="Verdana" panose="020B0604030504040204" pitchFamily="34" charset="0"/>
+                <a:cs typeface="Arial" panose="020B0604020202020204" pitchFamily="34" charset="0"/>
+              </a:rPr>
+              <a:t>)</a:t>
+            </a:r>
+            <a:endParaRPr lang="tr-TR" sz="3600" b="1" dirty="0">
+              <a:solidFill>
+                <a:srgbClr val="CD1F26"/>
+              </a:solidFill>
+              <a:latin typeface="Arial" panose="020B0604020202020204" pitchFamily="34" charset="0"/>
+              <a:ea typeface="Verdana" panose="020B0604030504040204" pitchFamily="34" charset="0"/>
+              <a:cs typeface="Arial" panose="020B0604020202020204" pitchFamily="34" charset="0"/>
+            </a:endParaRPr>
+          </a:p>
+        </p:txBody>
+      </p:sp>
+      <p:pic>
+        <p:nvPicPr>
+          <p:cNvPr id="4" name="Resim 3">
+            <a:extLst>
+              <a:ext uri="{FF2B5EF4-FFF2-40B4-BE49-F238E27FC236}">
+                <a16:creationId xmlns:a16="http://schemas.microsoft.com/office/drawing/2014/main" id="{1F655A6B-0D7E-4889-95B7-9561C7CC322E}"/>
+              </a:ext>
+            </a:extLst>
+          </p:cNvPr>
+          <p:cNvPicPr>
+            <a:picLocks noChangeAspect="1"/>
+          </p:cNvPicPr>
+          <p:nvPr/>
+        </p:nvPicPr>
+        <p:blipFill>
+          <a:blip r:embed="rId2">
+            <a:extLst>
+              <a:ext uri="{28A0092B-C50C-407E-A947-70E740481C1C}">
+                <a14:useLocalDpi xmlns:a14="http://schemas.microsoft.com/office/drawing/2010/main" val="0"/>
+              </a:ext>
+            </a:extLst>
+          </a:blip>
+          <a:stretch>
+            <a:fillRect/>
+          </a:stretch>
+        </p:blipFill>
+        <p:spPr>
+          <a:xfrm>
+            <a:off x="1772560" y="1410216"/>
+            <a:ext cx="8430802" cy="4505954"/>
+          </a:xfrm>
+          <a:prstGeom prst="rect">
+            <a:avLst/>
+          </a:prstGeom>
+        </p:spPr>
+      </p:pic>
+      <p:sp>
+        <p:nvSpPr>
+          <p:cNvPr id="5" name="Ok: Aşağı 4">
+            <a:extLst>
+              <a:ext uri="{FF2B5EF4-FFF2-40B4-BE49-F238E27FC236}">
+                <a16:creationId xmlns:a16="http://schemas.microsoft.com/office/drawing/2014/main" id="{37B8AA98-2897-4A19-95C3-7DAC50573386}"/>
+              </a:ext>
+            </a:extLst>
+          </p:cNvPr>
+          <p:cNvSpPr/>
+          <p:nvPr/>
+        </p:nvSpPr>
+        <p:spPr>
+          <a:xfrm rot="1597592">
+            <a:off x="6853382" y="3834773"/>
+            <a:ext cx="533400" cy="1117600"/>
+          </a:xfrm>
+          <a:prstGeom prst="downArrow">
+            <a:avLst/>
+          </a:prstGeom>
+        </p:spPr>
+        <p:style>
+          <a:lnRef idx="2">
+            <a:schemeClr val="accent2">
+              <a:shade val="50000"/>
+            </a:schemeClr>
+          </a:lnRef>
+          <a:fillRef idx="1">
+            <a:schemeClr val="accent2"/>
+          </a:fillRef>
+          <a:effectRef idx="0">
+            <a:schemeClr val="accent2"/>
+          </a:effectRef>
+          <a:fontRef idx="minor">
+            <a:schemeClr val="lt1"/>
+          </a:fontRef>
+        </p:style>
+        <p:txBody>
+          <a:bodyPr rtlCol="0" anchor="ctr"/>
+          <a:lstStyle/>
+          <a:p>
+            <a:pPr algn="ctr"/>
+            <a:endParaRPr lang="tr-TR"/>
+          </a:p>
+        </p:txBody>
+      </p:sp>
+    </p:spTree>
+    <p:extLst>
+      <p:ext uri="{BB962C8B-B14F-4D97-AF65-F5344CB8AC3E}">
+        <p14:creationId xmlns:p14="http://schemas.microsoft.com/office/powerpoint/2010/main" val="1999169727"/>
+      </p:ext>
+    </p:extLst>
+  </p:cSld>
+  <p:clrMapOvr>
+    <a:masterClrMapping/>
+  </p:clrMapOvr>
+  <p:timing>
+    <p:tnLst>
+      <p:par>
+        <p:cTn id="1" dur="indefinite" restart="never" nodeType="tmRoot">
+          <p:childTnLst>
+            <p:seq concurrent="1" nextAc="seek">
+              <p:cTn id="2" dur="indefinite" nodeType="mainSeq">
+                <p:childTnLst>
+                  <p:par>
+                    <p:cTn id="3" fill="hold">
+                      <p:stCondLst>
+                        <p:cond delay="indefinite"/>
+                      </p:stCondLst>
+                      <p:childTnLst>
+                        <p:par>
+                          <p:cTn id="4" fill="hold">
+                            <p:stCondLst>
+                              <p:cond delay="0"/>
+                            </p:stCondLst>
+                            <p:childTnLst>
+                              <p:par>
+                                <p:cTn id="5" presetID="10" presetClass="entr" presetSubtype="0" fill="hold" grpId="0" nodeType="clickEffect">
+                                  <p:stCondLst>
+                                    <p:cond delay="0"/>
+                                  </p:stCondLst>
+                                  <p:childTnLst>
+                                    <p:set>
+                                      <p:cBhvr>
+                                        <p:cTn id="6" dur="1" fill="hold">
+                                          <p:stCondLst>
+                                            <p:cond delay="0"/>
+                                          </p:stCondLst>
+                                        </p:cTn>
+                                        <p:tgtEl>
+                                          <p:spTgt spid="5"/>
+                                        </p:tgtEl>
+                                        <p:attrNameLst>
+                                          <p:attrName>style.visibility</p:attrName>
+                                        </p:attrNameLst>
+                                      </p:cBhvr>
+                                      <p:to>
+                                        <p:strVal val="visible"/>
+                                      </p:to>
+                                    </p:set>
+                                    <p:animEffect transition="in" filter="fade">
+                                      <p:cBhvr>
+                                        <p:cTn id="7" dur="500"/>
+                                        <p:tgtEl>
+                                          <p:spTgt spid="5"/>
+                                        </p:tgtEl>
+                                      </p:cBhvr>
+                                    </p:animEffect>
+                                  </p:childTnLst>
+                                </p:cTn>
+                              </p:par>
+                            </p:childTnLst>
+                          </p:cTn>
+                        </p:par>
+                        <p:par>
+                          <p:cTn id="8" fill="hold">
+                            <p:stCondLst>
+                              <p:cond delay="500"/>
+                            </p:stCondLst>
+                            <p:childTnLst>
+                              <p:par>
+                                <p:cTn id="9" presetID="26" presetClass="emph" presetSubtype="0" repeatCount="indefinite" fill="hold" grpId="1" nodeType="afterEffect">
+                                  <p:stCondLst>
+                                    <p:cond delay="0"/>
+                                  </p:stCondLst>
+                                  <p:childTnLst>
+                                    <p:animEffect transition="out" filter="fade">
+                                      <p:cBhvr>
+                                        <p:cTn id="10" dur="2000" tmFilter="0, 0; .2, .5; .8, .5; 1, 0"/>
+                                        <p:tgtEl>
+                                          <p:spTgt spid="5"/>
+                                        </p:tgtEl>
+                                      </p:cBhvr>
+                                    </p:animEffect>
+                                    <p:animScale>
+                                      <p:cBhvr>
+                                        <p:cTn id="11" dur="1000" autoRev="1" fill="hold"/>
+                                        <p:tgtEl>
+                                          <p:spTgt spid="5"/>
+                                        </p:tgtEl>
+                                      </p:cBhvr>
+                                      <p:by x="105000" y="105000"/>
+                                    </p:animScale>
+                                  </p:childTnLst>
+                                </p:cTn>
+                              </p:par>
+                            </p:childTnLst>
+                          </p:cTn>
+                        </p:par>
+                      </p:childTnLst>
+                    </p:cTn>
+                  </p:par>
+                </p:childTnLst>
+              </p:cTn>
+              <p:prevCondLst>
+                <p:cond evt="onPrev" delay="0">
+                  <p:tgtEl>
+                    <p:sldTgt/>
+                  </p:tgtEl>
+                </p:cond>
+              </p:prevCondLst>
+              <p:nextCondLst>
+                <p:cond evt="onNext" delay="0">
+                  <p:tgtEl>
+                    <p:sldTgt/>
+                  </p:tgtEl>
+                </p:cond>
+              </p:nextCondLst>
+            </p:seq>
+          </p:childTnLst>
+        </p:cTn>
+      </p:par>
+    </p:tnLst>
+    <p:bldLst>
+      <p:bldP spid="5" grpId="0" animBg="1"/>
+      <p:bldP spid="5" grpId="1" animBg="1"/>
+    </p:bldLst>
   </p:timing>
 </p:sld>
 </file>
